--- a/Apresentação TCC/Apresentação TCC - Washington Luiz Sobral Menêzes.pptx
+++ b/Apresentação TCC/Apresentação TCC - Washington Luiz Sobral Menêzes.pptx
@@ -141,6 +141,7 @@
     <p1510:client id="{1B8D39D3-21CB-4E53-A3E3-AA92C747FB86}" v="134" dt="2022-06-12T01:08:24.959"/>
     <p1510:client id="{31D655B8-F4F8-47D0-A338-CE4A1E8F83BE}" v="981" dt="2022-06-12T00:03:14.840"/>
     <p1510:client id="{32B4597E-DBE7-4174-9A43-01AEAE213268}" v="6" dt="2022-06-12T02:53:19.122"/>
+    <p1510:client id="{4E65036E-1406-4849-BD1E-1D249F1F176F}" v="1" dt="2022-06-14T00:18:36.250"/>
     <p1510:client id="{AE00EED5-5778-4C21-8B01-37AB1E226B77}" v="10" dt="2022-06-12T01:13:00.380"/>
   </p1510:revLst>
 </p1510:revInfo>
@@ -240,7 +241,7 @@
           <a:p>
             <a:fld id="{12D24DC0-25FC-49C5-9FBF-2655FBC204AC}" type="datetimeFigureOut">
               <a:rPr lang="pt-BR" smtClean="0"/>
-              <a:t>11/06/2022</a:t>
+              <a:t>13/06/2022</a:t>
             </a:fld>
             <a:endParaRPr lang="pt-BR"/>
           </a:p>
@@ -418,7 +419,7 @@
           <a:p>
             <a:fld id="{713CE56A-1A7C-4761-9AB6-5A6D464B6A3B}" type="datetimeFigureOut">
               <a:rPr lang="pt-BR" noProof="0" smtClean="0"/>
-              <a:t>11/06/2022</a:t>
+              <a:t>13/06/2022</a:t>
             </a:fld>
             <a:endParaRPr lang="pt-BR" noProof="0"/>
           </a:p>
@@ -928,7 +929,7 @@
           <a:p>
             <a:fld id="{655A5808-3B61-48CC-92EF-85AC2E0DFA56}" type="datetime2">
               <a:rPr lang="en-US" smtClean="0"/>
-              <a:t>Saturday, June 11, 2022</a:t>
+              <a:t>Monday, June 13, 2022</a:t>
             </a:fld>
             <a:endParaRPr lang="en-US"/>
           </a:p>
@@ -1126,7 +1127,7 @@
           <a:p>
             <a:fld id="{735E98AF-4574-4509-BF7A-519ACD5BF826}" type="datetime2">
               <a:rPr lang="en-US" smtClean="0"/>
-              <a:t>Saturday, June 11, 2022</a:t>
+              <a:t>Monday, June 13, 2022</a:t>
             </a:fld>
             <a:endParaRPr lang="en-US"/>
           </a:p>
@@ -1336,7 +1337,7 @@
           <a:p>
             <a:fld id="{93DD97D4-9636-490F-85D0-E926C2B6F3B1}" type="datetime2">
               <a:rPr lang="en-US" smtClean="0"/>
-              <a:t>Saturday, June 11, 2022</a:t>
+              <a:t>Monday, June 13, 2022</a:t>
             </a:fld>
             <a:endParaRPr lang="en-US"/>
           </a:p>
@@ -1535,7 +1536,7 @@
           <a:p>
             <a:fld id="{2F3AF3C6-0FD4-4939-991C-00DDE5C56815}" type="datetime2">
               <a:rPr lang="en-US" smtClean="0"/>
-              <a:t>Saturday, June 11, 2022</a:t>
+              <a:t>Monday, June 13, 2022</a:t>
             </a:fld>
             <a:endParaRPr lang="en-US"/>
           </a:p>
@@ -1816,7 +1817,7 @@
           <a:p>
             <a:fld id="{86807482-8128-47C6-A8DD-6452B0291CFF}" type="datetime2">
               <a:rPr lang="en-US" smtClean="0"/>
-              <a:t>Saturday, June 11, 2022</a:t>
+              <a:t>Monday, June 13, 2022</a:t>
             </a:fld>
             <a:endParaRPr lang="en-US"/>
           </a:p>
@@ -2084,7 +2085,7 @@
           <a:p>
             <a:fld id="{37903F25-275E-41DE-BE3B-EBF0DB49F9B1}" type="datetime2">
               <a:rPr lang="en-US" smtClean="0"/>
-              <a:t>Saturday, June 11, 2022</a:t>
+              <a:t>Monday, June 13, 2022</a:t>
             </a:fld>
             <a:endParaRPr lang="en-US"/>
           </a:p>
@@ -2465,7 +2466,7 @@
           <a:p>
             <a:fld id="{EE475572-4A44-4171-84AA-64D42C8050A6}" type="datetime2">
               <a:rPr lang="en-US" smtClean="0"/>
-              <a:t>Saturday, June 11, 2022</a:t>
+              <a:t>Monday, June 13, 2022</a:t>
             </a:fld>
             <a:endParaRPr lang="en-US"/>
           </a:p>
@@ -2635,7 +2636,7 @@
           <a:p>
             <a:fld id="{C4C1612E-528E-4FD5-9E9E-E15F1108F171}" type="datetime2">
               <a:rPr lang="en-US" smtClean="0"/>
-              <a:t>Saturday, June 11, 2022</a:t>
+              <a:t>Monday, June 13, 2022</a:t>
             </a:fld>
             <a:endParaRPr lang="en-US"/>
           </a:p>
@@ -2748,7 +2749,7 @@
           <a:p>
             <a:fld id="{D4F6D862-A06D-436F-A92E-EBAAD50B6E50}" type="datetime2">
               <a:rPr lang="en-US" smtClean="0"/>
-              <a:t>Saturday, June 11, 2022</a:t>
+              <a:t>Monday, June 13, 2022</a:t>
             </a:fld>
             <a:endParaRPr lang="en-US"/>
           </a:p>
@@ -3065,7 +3066,7 @@
           <a:p>
             <a:fld id="{B73E0B7D-2260-4809-8F0A-9E5F3E24F169}" type="datetime2">
               <a:rPr lang="en-US" smtClean="0"/>
-              <a:t>Saturday, June 11, 2022</a:t>
+              <a:t>Monday, June 13, 2022</a:t>
             </a:fld>
             <a:endParaRPr lang="en-US"/>
           </a:p>
@@ -3357,7 +3358,7 @@
           <a:p>
             <a:fld id="{3C8E4735-C637-46A3-94EB-AB3AC4188D2F}" type="datetime2">
               <a:rPr lang="en-US" smtClean="0"/>
-              <a:t>Saturday, June 11, 2022</a:t>
+              <a:t>Monday, June 13, 2022</a:t>
             </a:fld>
             <a:endParaRPr lang="en-US"/>
           </a:p>
@@ -3725,7 +3726,7 @@
             <a:fld id="{AE0C963C-C1DB-4AFD-9DDC-0691666BF49B}" type="datetime2">
               <a:rPr lang="en-US" smtClean="0"/>
               <a:pPr/>
-              <a:t>Saturday, June 11, 2022</a:t>
+              <a:t>Monday, June 13, 2022</a:t>
             </a:fld>
             <a:endParaRPr lang="en-US" cap="all" dirty="0"/>
           </a:p>
@@ -4126,7 +4127,7 @@
 </file>
 
 <file path=ppt/slides/slide1.xml><?xml version="1.0" encoding="utf-8"?>
-<p:sld xmlns:a="http://schemas.openxmlformats.org/drawingml/2006/main" xmlns:r="http://schemas.openxmlformats.org/officeDocument/2006/relationships" xmlns:p="http://schemas.openxmlformats.org/presentationml/2006/main" show="0">
+<p:sld xmlns:a="http://schemas.openxmlformats.org/drawingml/2006/main" xmlns:r="http://schemas.openxmlformats.org/officeDocument/2006/relationships" xmlns:p="http://schemas.openxmlformats.org/presentationml/2006/main">
   <p:cSld>
     <p:bg>
       <p:bgPr>
